--- a/Flakers Presentation.pptx
+++ b/Flakers Presentation.pptx
@@ -1003,7 +1003,7 @@
             </a:pPr>
             <a:r>
               <a:rPr lang="en"/>
-              <a:t>Solution - keeping track of your progress with your friends to hold you accountable </a:t>
+              <a:t>I’d like to share a brief story</a:t>
             </a:r>
             <a:endParaRPr/>
           </a:p>
@@ -1018,7 +1018,8 @@
               <a:buNone/>
             </a:pPr>
             <a:r>
-              <a:t/>
+              <a:rPr lang="en"/>
+              <a:t>Earlier this semester, Pranay and I created a goal of going to the gym everyday </a:t>
             </a:r>
             <a:endParaRPr/>
           </a:p>
@@ -1034,7 +1035,7 @@
             </a:pPr>
             <a:r>
               <a:rPr lang="en"/>
-              <a:t>Allowing friends to be able to motivate you and track progress together</a:t>
+              <a:t>We kept each other motivated</a:t>
             </a:r>
             <a:endParaRPr/>
           </a:p>
@@ -1049,7 +1050,8 @@
               <a:buNone/>
             </a:pPr>
             <a:r>
-              <a:t/>
+              <a:rPr lang="en"/>
+              <a:t>We kept each other accountable</a:t>
             </a:r>
             <a:endParaRPr/>
           </a:p>
@@ -1065,53 +1067,23 @@
             </a:pPr>
             <a:r>
               <a:rPr lang="en"/>
-              <a:t>Motivation</a:t>
+              <a:t>The key was having someone else, and we </a:t>
             </a:r>
-            <a:endParaRPr/>
-          </a:p>
-          <a:p>
-            <a:pPr indent="0" lvl="0" marL="0" rtl="0" algn="l">
-              <a:spcBef>
-                <a:spcPts val="0"/>
-              </a:spcBef>
-              <a:spcAft>
-                <a:spcPts val="0"/>
-              </a:spcAft>
-              <a:buNone/>
-            </a:pPr>
-            <a:r>
-              <a:t/>
-            </a:r>
-            <a:endParaRPr/>
-          </a:p>
-          <a:p>
-            <a:pPr indent="0" lvl="0" marL="0" rtl="0" algn="l">
-              <a:spcBef>
-                <a:spcPts val="0"/>
-              </a:spcBef>
-              <a:spcAft>
-                <a:spcPts val="0"/>
-              </a:spcAft>
-              <a:buNone/>
-            </a:pPr>
             <a:r>
               <a:rPr lang="en"/>
-              <a:t>My friend Pranay and I were trying to start going to the gym and the way we held each other accountable </a:t>
+              <a:t>decided</a:t>
             </a:r>
-            <a:endParaRPr/>
-          </a:p>
-          <a:p>
-            <a:pPr indent="0" lvl="0" marL="0" rtl="0" algn="l">
-              <a:spcBef>
-                <a:spcPts val="0"/>
-              </a:spcBef>
-              <a:spcAft>
-                <a:spcPts val="0"/>
-              </a:spcAft>
-              <a:buNone/>
-            </a:pPr>
             <a:r>
-              <a:t/>
+              <a:rPr lang="en"/>
+              <a:t> to take this idea and expand on it. Imagine you are in Dallas and your friend is in Boston. This is where flake comes. We give friends the ability, regardless of their location, to work on </a:t>
+            </a:r>
+            <a:r>
+              <a:rPr lang="en"/>
+              <a:t>achieving</a:t>
+            </a:r>
+            <a:r>
+              <a:rPr lang="en"/>
+              <a:t> goals together. </a:t>
             </a:r>
             <a:endParaRPr/>
           </a:p>
@@ -1319,7 +1291,36 @@
                   <a:schemeClr val="dk1"/>
                 </a:solidFill>
               </a:rPr>
-              <a:t>Accountability </a:t>
+              <a:t>Youre gonna be able to commit to a goal with your friends</a:t>
+            </a:r>
+            <a:endParaRPr>
+              <a:solidFill>
+                <a:schemeClr val="dk1"/>
+              </a:solidFill>
+            </a:endParaRPr>
+          </a:p>
+          <a:p>
+            <a:pPr indent="0" lvl="0" marL="0" rtl="0" algn="l">
+              <a:spcBef>
+                <a:spcPts val="0"/>
+              </a:spcBef>
+              <a:spcAft>
+                <a:spcPts val="0"/>
+              </a:spcAft>
+              <a:buClr>
+                <a:schemeClr val="dk1"/>
+              </a:buClr>
+              <a:buSzPts val="1100"/>
+              <a:buFont typeface="Arial"/>
+              <a:buNone/>
+            </a:pPr>
+            <a:r>
+              <a:rPr lang="en">
+                <a:solidFill>
+                  <a:schemeClr val="dk1"/>
+                </a:solidFill>
+              </a:rPr>
+              <a:t>Your gonna stay motivated whenever your friends </a:t>
             </a:r>
             <a:r>
               <a:rPr lang="en">
@@ -1327,9 +1328,172 @@
                   <a:schemeClr val="dk1"/>
                 </a:solidFill>
               </a:rPr>
-              <a:t>through daily photo progress uploads that can be shared with friends to hold everyone responsible - push your friends to accomplish their goals </a:t>
+              <a:t>post</a:t>
             </a:r>
-            <a:endParaRPr/>
+            <a:r>
+              <a:rPr lang="en">
+                <a:solidFill>
+                  <a:schemeClr val="dk1"/>
+                </a:solidFill>
+              </a:rPr>
+              <a:t> in the goal </a:t>
+            </a:r>
+            <a:endParaRPr>
+              <a:solidFill>
+                <a:schemeClr val="dk1"/>
+              </a:solidFill>
+            </a:endParaRPr>
+          </a:p>
+          <a:p>
+            <a:pPr indent="0" lvl="0" marL="0" rtl="0" algn="l">
+              <a:spcBef>
+                <a:spcPts val="0"/>
+              </a:spcBef>
+              <a:spcAft>
+                <a:spcPts val="0"/>
+              </a:spcAft>
+              <a:buClr>
+                <a:schemeClr val="dk1"/>
+              </a:buClr>
+              <a:buSzPts val="1100"/>
+              <a:buFont typeface="Arial"/>
+              <a:buNone/>
+            </a:pPr>
+            <a:r>
+              <a:rPr lang="en">
+                <a:solidFill>
+                  <a:schemeClr val="dk1"/>
+                </a:solidFill>
+              </a:rPr>
+              <a:t>You will also see when and where your friends have posted </a:t>
+            </a:r>
+            <a:endParaRPr>
+              <a:solidFill>
+                <a:schemeClr val="dk1"/>
+              </a:solidFill>
+            </a:endParaRPr>
+          </a:p>
+          <a:p>
+            <a:pPr indent="0" lvl="0" marL="0" rtl="0" algn="l">
+              <a:spcBef>
+                <a:spcPts val="0"/>
+              </a:spcBef>
+              <a:spcAft>
+                <a:spcPts val="0"/>
+              </a:spcAft>
+              <a:buClr>
+                <a:schemeClr val="dk1"/>
+              </a:buClr>
+              <a:buSzPts val="1100"/>
+              <a:buFont typeface="Arial"/>
+              <a:buNone/>
+            </a:pPr>
+            <a:r>
+              <a:rPr lang="en">
+                <a:solidFill>
+                  <a:schemeClr val="dk1"/>
+                </a:solidFill>
+              </a:rPr>
+              <a:t>Your also gonna be able to see how long your friends are sticking to their goals </a:t>
+            </a:r>
+            <a:endParaRPr>
+              <a:solidFill>
+                <a:schemeClr val="dk1"/>
+              </a:solidFill>
+            </a:endParaRPr>
+          </a:p>
+          <a:p>
+            <a:pPr indent="0" lvl="0" marL="0" rtl="0" algn="l">
+              <a:spcBef>
+                <a:spcPts val="0"/>
+              </a:spcBef>
+              <a:spcAft>
+                <a:spcPts val="0"/>
+              </a:spcAft>
+              <a:buClr>
+                <a:schemeClr val="dk1"/>
+              </a:buClr>
+              <a:buSzPts val="1100"/>
+              <a:buFont typeface="Arial"/>
+              <a:buNone/>
+            </a:pPr>
+            <a:r>
+              <a:rPr lang="en">
+                <a:solidFill>
+                  <a:schemeClr val="dk1"/>
+                </a:solidFill>
+              </a:rPr>
+              <a:t>You will also be able to add </a:t>
+            </a:r>
+            <a:r>
+              <a:rPr lang="en">
+                <a:solidFill>
+                  <a:schemeClr val="dk1"/>
+                </a:solidFill>
+              </a:rPr>
+              <a:t>private</a:t>
+            </a:r>
+            <a:r>
+              <a:rPr lang="en">
+                <a:solidFill>
+                  <a:schemeClr val="dk1"/>
+                </a:solidFill>
+              </a:rPr>
+              <a:t> goals to keep </a:t>
+            </a:r>
+            <a:r>
+              <a:rPr lang="en">
+                <a:solidFill>
+                  <a:schemeClr val="dk1"/>
+                </a:solidFill>
+              </a:rPr>
+              <a:t>yourself</a:t>
+            </a:r>
+            <a:r>
+              <a:rPr lang="en">
+                <a:solidFill>
+                  <a:schemeClr val="dk1"/>
+                </a:solidFill>
+              </a:rPr>
+              <a:t> </a:t>
+            </a:r>
+            <a:r>
+              <a:rPr lang="en">
+                <a:solidFill>
+                  <a:schemeClr val="dk1"/>
+                </a:solidFill>
+              </a:rPr>
+              <a:t>accountable</a:t>
+            </a:r>
+            <a:endParaRPr>
+              <a:solidFill>
+                <a:schemeClr val="dk1"/>
+              </a:solidFill>
+            </a:endParaRPr>
+          </a:p>
+          <a:p>
+            <a:pPr indent="0" lvl="0" marL="0" rtl="0" algn="l">
+              <a:spcBef>
+                <a:spcPts val="0"/>
+              </a:spcBef>
+              <a:spcAft>
+                <a:spcPts val="0"/>
+              </a:spcAft>
+              <a:buClr>
+                <a:schemeClr val="dk1"/>
+              </a:buClr>
+              <a:buSzPts val="1100"/>
+              <a:buFont typeface="Arial"/>
+              <a:buNone/>
+            </a:pPr>
+            <a:r>
+              <a:t/>
+            </a:r>
+            <a:endParaRPr>
+              <a:solidFill>
+                <a:schemeClr val="dk1"/>
+              </a:solidFill>
+            </a:endParaRPr>
           </a:p>
         </p:txBody>
       </p:sp>
